--- a/Business Analytics Capstone/Complete Strategic Analysis .pptx
+++ b/Business Analytics Capstone/Complete Strategic Analysis .pptx
@@ -17,7 +17,8 @@
     <p:sldId id="294" r:id="rId11"/>
     <p:sldId id="295" r:id="rId12"/>
     <p:sldId id="296" r:id="rId13"/>
-    <p:sldId id="297" r:id="rId14"/>
+    <p:sldId id="298" r:id="rId14"/>
+    <p:sldId id="297" r:id="rId15"/>
   </p:sldIdLst>
   <p:sldSz cx="10058400" cy="7772400"/>
   <p:notesSz cx="6858000" cy="9144000"/>
@@ -266,7 +267,7 @@
           <a:p>
             <a:fld id="{BE05082A-7C3C-4640-B7FE-7C53B0E7AE9F}" type="datetimeFigureOut">
               <a:rPr lang="en-US" smtClean="0"/>
-              <a:t>12/25/2023</a:t>
+              <a:t>6/7/2024</a:t>
             </a:fld>
             <a:endParaRPr lang="en-US"/>
           </a:p>
@@ -436,7 +437,7 @@
           <a:p>
             <a:fld id="{BE05082A-7C3C-4640-B7FE-7C53B0E7AE9F}" type="datetimeFigureOut">
               <a:rPr lang="en-US" smtClean="0"/>
-              <a:t>12/25/2023</a:t>
+              <a:t>6/7/2024</a:t>
             </a:fld>
             <a:endParaRPr lang="en-US"/>
           </a:p>
@@ -616,7 +617,7 @@
           <a:p>
             <a:fld id="{BE05082A-7C3C-4640-B7FE-7C53B0E7AE9F}" type="datetimeFigureOut">
               <a:rPr lang="en-US" smtClean="0"/>
-              <a:t>12/25/2023</a:t>
+              <a:t>6/7/2024</a:t>
             </a:fld>
             <a:endParaRPr lang="en-US"/>
           </a:p>
@@ -786,7 +787,7 @@
           <a:p>
             <a:fld id="{BE05082A-7C3C-4640-B7FE-7C53B0E7AE9F}" type="datetimeFigureOut">
               <a:rPr lang="en-US" smtClean="0"/>
-              <a:t>12/25/2023</a:t>
+              <a:t>6/7/2024</a:t>
             </a:fld>
             <a:endParaRPr lang="en-US"/>
           </a:p>
@@ -1030,7 +1031,7 @@
           <a:p>
             <a:fld id="{BE05082A-7C3C-4640-B7FE-7C53B0E7AE9F}" type="datetimeFigureOut">
               <a:rPr lang="en-US" smtClean="0"/>
-              <a:t>12/25/2023</a:t>
+              <a:t>6/7/2024</a:t>
             </a:fld>
             <a:endParaRPr lang="en-US"/>
           </a:p>
@@ -1262,7 +1263,7 @@
           <a:p>
             <a:fld id="{BE05082A-7C3C-4640-B7FE-7C53B0E7AE9F}" type="datetimeFigureOut">
               <a:rPr lang="en-US" smtClean="0"/>
-              <a:t>12/25/2023</a:t>
+              <a:t>6/7/2024</a:t>
             </a:fld>
             <a:endParaRPr lang="en-US"/>
           </a:p>
@@ -1629,7 +1630,7 @@
           <a:p>
             <a:fld id="{BE05082A-7C3C-4640-B7FE-7C53B0E7AE9F}" type="datetimeFigureOut">
               <a:rPr lang="en-US" smtClean="0"/>
-              <a:t>12/25/2023</a:t>
+              <a:t>6/7/2024</a:t>
             </a:fld>
             <a:endParaRPr lang="en-US"/>
           </a:p>
@@ -1747,7 +1748,7 @@
           <a:p>
             <a:fld id="{BE05082A-7C3C-4640-B7FE-7C53B0E7AE9F}" type="datetimeFigureOut">
               <a:rPr lang="en-US" smtClean="0"/>
-              <a:t>12/25/2023</a:t>
+              <a:t>6/7/2024</a:t>
             </a:fld>
             <a:endParaRPr lang="en-US"/>
           </a:p>
@@ -1842,7 +1843,7 @@
           <a:p>
             <a:fld id="{BE05082A-7C3C-4640-B7FE-7C53B0E7AE9F}" type="datetimeFigureOut">
               <a:rPr lang="en-US" smtClean="0"/>
-              <a:t>12/25/2023</a:t>
+              <a:t>6/7/2024</a:t>
             </a:fld>
             <a:endParaRPr lang="en-US"/>
           </a:p>
@@ -2119,7 +2120,7 @@
           <a:p>
             <a:fld id="{BE05082A-7C3C-4640-B7FE-7C53B0E7AE9F}" type="datetimeFigureOut">
               <a:rPr lang="en-US" smtClean="0"/>
-              <a:t>12/25/2023</a:t>
+              <a:t>6/7/2024</a:t>
             </a:fld>
             <a:endParaRPr lang="en-US"/>
           </a:p>
@@ -2376,7 +2377,7 @@
           <a:p>
             <a:fld id="{BE05082A-7C3C-4640-B7FE-7C53B0E7AE9F}" type="datetimeFigureOut">
               <a:rPr lang="en-US" smtClean="0"/>
-              <a:t>12/25/2023</a:t>
+              <a:t>6/7/2024</a:t>
             </a:fld>
             <a:endParaRPr lang="en-US"/>
           </a:p>
@@ -2589,7 +2590,7 @@
           <a:p>
             <a:fld id="{BE05082A-7C3C-4640-B7FE-7C53B0E7AE9F}" type="datetimeFigureOut">
               <a:rPr lang="en-US" smtClean="0"/>
-              <a:t>12/25/2023</a:t>
+              <a:t>6/7/2024</a:t>
             </a:fld>
             <a:endParaRPr lang="en-US"/>
           </a:p>
@@ -3058,15 +3059,18 @@
               <a:rPr lang="en-US" dirty="0" smtClean="0">
                 <a:latin typeface="Arial Black" panose="020B0A04020102020204" pitchFamily="34" charset="0"/>
               </a:rPr>
-              <a:t>Dennis</a:t>
-            </a:r>
+              <a:t>Dennis L</a:t>
+            </a:r>
+            <a:endParaRPr lang="en-US" dirty="0" smtClean="0">
+              <a:latin typeface="Arial Black" panose="020B0A04020102020204" pitchFamily="34" charset="0"/>
+            </a:endParaRPr>
           </a:p>
           <a:p>
             <a:r>
               <a:rPr lang="en-US" dirty="0" smtClean="0">
                 <a:latin typeface="Arial Black" panose="020B0A04020102020204" pitchFamily="34" charset="0"/>
               </a:rPr>
-              <a:t>Dec 2023</a:t>
+              <a:t>June 2024</a:t>
             </a:r>
             <a:endParaRPr lang="en-US" dirty="0">
               <a:latin typeface="Arial Black" panose="020B0A04020102020204" pitchFamily="34" charset="0"/>
@@ -3811,6 +3815,107 @@
           <a:chExt cx="0" cy="0"/>
         </a:xfrm>
       </p:grpSpPr>
+      <p:sp>
+        <p:nvSpPr>
+          <p:cNvPr id="3" name="Subtitle 2"/>
+          <p:cNvSpPr>
+            <a:spLocks noGrp="1"/>
+          </p:cNvSpPr>
+          <p:nvPr>
+            <p:ph type="subTitle" idx="1"/>
+          </p:nvPr>
+        </p:nvSpPr>
+        <p:spPr>
+          <a:xfrm>
+            <a:off x="1275772" y="2863105"/>
+            <a:ext cx="7543800" cy="1876530"/>
+          </a:xfrm>
+        </p:spPr>
+        <p:txBody>
+          <a:bodyPr>
+            <a:normAutofit/>
+          </a:bodyPr>
+          <a:lstStyle/>
+          <a:p>
+            <a:r>
+              <a:rPr lang="en-US" sz="6000" dirty="0" smtClean="0">
+                <a:latin typeface="Arial Black" panose="020B0A04020102020204" pitchFamily="34" charset="0"/>
+              </a:rPr>
+              <a:t>Conclusion</a:t>
+            </a:r>
+            <a:endParaRPr lang="en-US" sz="6000" dirty="0">
+              <a:latin typeface="Arial Black" panose="020B0A04020102020204" pitchFamily="34" charset="0"/>
+            </a:endParaRPr>
+          </a:p>
+        </p:txBody>
+      </p:sp>
+      <p:pic>
+        <p:nvPicPr>
+          <p:cNvPr id="4" name="Picture 3"/>
+          <p:cNvPicPr>
+            <a:picLocks noChangeAspect="1"/>
+          </p:cNvPicPr>
+          <p:nvPr/>
+        </p:nvPicPr>
+        <p:blipFill>
+          <a:blip r:embed="rId2" cstate="print">
+            <a:extLst>
+              <a:ext uri="{28A0092B-C50C-407E-A947-70E740481C1C}">
+                <a14:useLocalDpi xmlns:a14="http://schemas.microsoft.com/office/drawing/2010/main" val="0"/>
+              </a:ext>
+            </a:extLst>
+          </a:blip>
+          <a:stretch>
+            <a:fillRect/>
+          </a:stretch>
+        </p:blipFill>
+        <p:spPr>
+          <a:xfrm>
+            <a:off x="6219826" y="7163710"/>
+            <a:ext cx="3657600" cy="442700"/>
+          </a:xfrm>
+          <a:prstGeom prst="rect">
+            <a:avLst/>
+          </a:prstGeom>
+        </p:spPr>
+      </p:pic>
+    </p:spTree>
+    <p:extLst>
+      <p:ext uri="{BB962C8B-B14F-4D97-AF65-F5344CB8AC3E}">
+        <p14:creationId xmlns:p14="http://schemas.microsoft.com/office/powerpoint/2010/main" val="2849950956"/>
+      </p:ext>
+    </p:extLst>
+  </p:cSld>
+  <p:clrMapOvr>
+    <a:masterClrMapping/>
+  </p:clrMapOvr>
+  <p:timing>
+    <p:tnLst>
+      <p:par>
+        <p:cTn id="1" dur="indefinite" restart="never" nodeType="tmRoot"/>
+      </p:par>
+    </p:tnLst>
+  </p:timing>
+</p:sld>
+</file>
+
+<file path=ppt/slides/slide14.xml><?xml version="1.0" encoding="utf-8"?>
+<p:sld xmlns:a="http://schemas.openxmlformats.org/drawingml/2006/main" xmlns:r="http://schemas.openxmlformats.org/officeDocument/2006/relationships" xmlns:p="http://schemas.openxmlformats.org/presentationml/2006/main">
+  <p:cSld>
+    <p:spTree>
+      <p:nvGrpSpPr>
+        <p:cNvPr id="1" name=""/>
+        <p:cNvGrpSpPr/>
+        <p:nvPr/>
+      </p:nvGrpSpPr>
+      <p:grpSpPr>
+        <a:xfrm>
+          <a:off x="0" y="0"/>
+          <a:ext cx="0" cy="0"/>
+          <a:chOff x="0" y="0"/>
+          <a:chExt cx="0" cy="0"/>
+        </a:xfrm>
+      </p:grpSpPr>
       <p:pic>
         <p:nvPicPr>
           <p:cNvPr id="2" name="Picture 1"/>
@@ -4020,12 +4125,12 @@
           <a:lstStyle/>
           <a:p>
             <a:r>
-              <a:rPr lang="en-US" sz="4000" dirty="0" smtClean="0">
+              <a:rPr lang="en-US" sz="5400" dirty="0" smtClean="0">
                 <a:latin typeface="Arial Black" panose="020B0A04020102020204" pitchFamily="34" charset="0"/>
               </a:rPr>
               <a:t>Problem Statement</a:t>
             </a:r>
-            <a:endParaRPr lang="en-US" sz="4000" dirty="0">
+            <a:endParaRPr lang="en-US" sz="5400" dirty="0">
               <a:latin typeface="Arial Black" panose="020B0A04020102020204" pitchFamily="34" charset="0"/>
             </a:endParaRPr>
           </a:p>
@@ -4620,12 +4725,12 @@
           <a:lstStyle/>
           <a:p>
             <a:r>
-              <a:rPr lang="en-US" sz="4000" dirty="0" smtClean="0">
+              <a:rPr lang="en-US" sz="6000" dirty="0" smtClean="0">
                 <a:latin typeface="Arial Black" panose="020B0A04020102020204" pitchFamily="34" charset="0"/>
               </a:rPr>
               <a:t>Strategy</a:t>
             </a:r>
-            <a:endParaRPr lang="en-US" sz="4000" dirty="0">
+            <a:endParaRPr lang="en-US" sz="6000" dirty="0">
               <a:latin typeface="Arial Black" panose="020B0A04020102020204" pitchFamily="34" charset="0"/>
             </a:endParaRPr>
           </a:p>
@@ -5121,12 +5226,12 @@
           <a:lstStyle/>
           <a:p>
             <a:r>
-              <a:rPr lang="en-US" sz="4000" dirty="0" smtClean="0">
+              <a:rPr lang="en-US" sz="5400" dirty="0" smtClean="0">
                 <a:latin typeface="Arial Black" panose="020B0A04020102020204" pitchFamily="34" charset="0"/>
               </a:rPr>
               <a:t>Effects and Measurement</a:t>
             </a:r>
-            <a:endParaRPr lang="en-US" sz="4000" dirty="0">
+            <a:endParaRPr lang="en-US" sz="5400" dirty="0">
               <a:latin typeface="Arial Black" panose="020B0A04020102020204" pitchFamily="34" charset="0"/>
             </a:endParaRPr>
           </a:p>
